--- a/Modules/09-rubocop.pptx
+++ b/Modules/09-rubocop.pptx
@@ -229,7 +229,7 @@
           <a:p>
             <a:fld id="{6C8008D8-2F79-E542-BF75-A622FCA35A75}" type="datetimeFigureOut">
               <a:rPr lang="en-US" smtClean="0"/>
-              <a:t>7/2/2015</a:t>
+              <a:t>7/7/2015</a:t>
             </a:fld>
             <a:endParaRPr lang="en-US" dirty="0"/>
           </a:p>
@@ -1821,7 +1821,7 @@
           <a:p>
             <a:fld id="{1D8BD707-D9CF-40AE-B4C6-C98DA3205C09}" type="datetimeFigureOut">
               <a:rPr lang="en-US"/>
-              <a:t>7/2/2015</a:t>
+              <a:t>7/7/2015</a:t>
             </a:fld>
             <a:endParaRPr lang="en-US" dirty="0"/>
           </a:p>
@@ -2006,7 +2006,7 @@
           <a:p>
             <a:fld id="{1D8BD707-D9CF-40AE-B4C6-C98DA3205C09}" type="datetimeFigureOut">
               <a:rPr lang="en-US"/>
-              <a:t>7/2/2015</a:t>
+              <a:t>7/7/2015</a:t>
             </a:fld>
             <a:endParaRPr lang="en-US" dirty="0"/>
           </a:p>
@@ -2043,6 +2043,132 @@
               <a:pPr marL="25400"/>
               <a:t>‹#›</a:t>
             </a:fld>
+            <a:endParaRPr lang="en-US" dirty="0"/>
+          </a:p>
+        </p:txBody>
+      </p:sp>
+      <p:sp>
+        <p:nvSpPr>
+          <p:cNvPr id="7" name="object 41"/>
+          <p:cNvSpPr txBox="1">
+            <a:spLocks/>
+          </p:cNvSpPr>
+          <p:nvPr userDrawn="1"/>
+        </p:nvSpPr>
+        <p:spPr>
+          <a:xfrm>
+            <a:off x="7809552" y="8691553"/>
+            <a:ext cx="533400" cy="251143"/>
+          </a:xfrm>
+          <a:prstGeom prst="rect">
+            <a:avLst/>
+          </a:prstGeom>
+        </p:spPr>
+        <p:txBody>
+          <a:bodyPr vert="horz" wrap="square" lIns="0" tIns="0" rIns="0" bIns="0" rtlCol="0">
+            <a:spAutoFit/>
+          </a:bodyPr>
+          <a:lstStyle>
+            <a:defPPr>
+              <a:defRPr lang="en-US"/>
+            </a:defPPr>
+            <a:lvl1pPr marL="0" algn="l" defTabSz="914400" rtl="0" eaLnBrk="1" latinLnBrk="0" hangingPunct="1">
+              <a:defRPr sz="1600" b="0" i="0" kern="1200">
+                <a:solidFill>
+                  <a:schemeClr val="tx1"/>
+                </a:solidFill>
+                <a:latin typeface="Gill Sans MT"/>
+                <a:ea typeface="+mn-ea"/>
+                <a:cs typeface="Gill Sans MT"/>
+              </a:defRPr>
+            </a:lvl1pPr>
+            <a:lvl2pPr marL="457200" algn="l" defTabSz="914400" rtl="0" eaLnBrk="1" latinLnBrk="0" hangingPunct="1">
+              <a:defRPr sz="1800" kern="1200">
+                <a:solidFill>
+                  <a:schemeClr val="tx1"/>
+                </a:solidFill>
+                <a:latin typeface="+mn-lt"/>
+                <a:ea typeface="+mn-ea"/>
+                <a:cs typeface="+mn-cs"/>
+              </a:defRPr>
+            </a:lvl2pPr>
+            <a:lvl3pPr marL="914400" algn="l" defTabSz="914400" rtl="0" eaLnBrk="1" latinLnBrk="0" hangingPunct="1">
+              <a:defRPr sz="1800" kern="1200">
+                <a:solidFill>
+                  <a:schemeClr val="tx1"/>
+                </a:solidFill>
+                <a:latin typeface="+mn-lt"/>
+                <a:ea typeface="+mn-ea"/>
+                <a:cs typeface="+mn-cs"/>
+              </a:defRPr>
+            </a:lvl3pPr>
+            <a:lvl4pPr marL="1371600" algn="l" defTabSz="914400" rtl="0" eaLnBrk="1" latinLnBrk="0" hangingPunct="1">
+              <a:defRPr sz="1800" kern="1200">
+                <a:solidFill>
+                  <a:schemeClr val="tx1"/>
+                </a:solidFill>
+                <a:latin typeface="+mn-lt"/>
+                <a:ea typeface="+mn-ea"/>
+                <a:cs typeface="+mn-cs"/>
+              </a:defRPr>
+            </a:lvl4pPr>
+            <a:lvl5pPr marL="1828800" algn="l" defTabSz="914400" rtl="0" eaLnBrk="1" latinLnBrk="0" hangingPunct="1">
+              <a:defRPr sz="1800" kern="1200">
+                <a:solidFill>
+                  <a:schemeClr val="tx1"/>
+                </a:solidFill>
+                <a:latin typeface="+mn-lt"/>
+                <a:ea typeface="+mn-ea"/>
+                <a:cs typeface="+mn-cs"/>
+              </a:defRPr>
+            </a:lvl5pPr>
+            <a:lvl6pPr marL="2286000" algn="l" defTabSz="914400" rtl="0" eaLnBrk="1" latinLnBrk="0" hangingPunct="1">
+              <a:defRPr sz="1800" kern="1200">
+                <a:solidFill>
+                  <a:schemeClr val="tx1"/>
+                </a:solidFill>
+                <a:latin typeface="+mn-lt"/>
+                <a:ea typeface="+mn-ea"/>
+                <a:cs typeface="+mn-cs"/>
+              </a:defRPr>
+            </a:lvl6pPr>
+            <a:lvl7pPr marL="2743200" algn="l" defTabSz="914400" rtl="0" eaLnBrk="1" latinLnBrk="0" hangingPunct="1">
+              <a:defRPr sz="1800" kern="1200">
+                <a:solidFill>
+                  <a:schemeClr val="tx1"/>
+                </a:solidFill>
+                <a:latin typeface="+mn-lt"/>
+                <a:ea typeface="+mn-ea"/>
+                <a:cs typeface="+mn-cs"/>
+              </a:defRPr>
+            </a:lvl7pPr>
+            <a:lvl8pPr marL="3200400" algn="l" defTabSz="914400" rtl="0" eaLnBrk="1" latinLnBrk="0" hangingPunct="1">
+              <a:defRPr sz="1800" kern="1200">
+                <a:solidFill>
+                  <a:schemeClr val="tx1"/>
+                </a:solidFill>
+                <a:latin typeface="+mn-lt"/>
+                <a:ea typeface="+mn-ea"/>
+                <a:cs typeface="+mn-cs"/>
+              </a:defRPr>
+            </a:lvl8pPr>
+            <a:lvl9pPr marL="3657600" algn="l" defTabSz="914400" rtl="0" eaLnBrk="1" latinLnBrk="0" hangingPunct="1">
+              <a:defRPr sz="1800" kern="1200">
+                <a:solidFill>
+                  <a:schemeClr val="tx1"/>
+                </a:solidFill>
+                <a:latin typeface="+mn-lt"/>
+                <a:ea typeface="+mn-ea"/>
+                <a:cs typeface="+mn-cs"/>
+              </a:defRPr>
+            </a:lvl9pPr>
+          </a:lstStyle>
+          <a:p>
+            <a:pPr marL="25400"/>
+            <a:r>
+              <a:rPr lang="en-US" dirty="0" smtClean="0"/>
+              <a:t>9-</a:t>
+            </a:r>
             <a:endParaRPr lang="en-US" dirty="0"/>
           </a:p>
         </p:txBody>
@@ -5248,7 +5374,7 @@
           <a:p>
             <a:fld id="{1D8BD707-D9CF-40AE-B4C6-C98DA3205C09}" type="datetimeFigureOut">
               <a:rPr lang="en-US"/>
-              <a:t>7/2/2015</a:t>
+              <a:t>7/7/2015</a:t>
             </a:fld>
             <a:endParaRPr lang="en-US" dirty="0"/>
           </a:p>
@@ -5402,7 +5528,7 @@
           <a:p>
             <a:fld id="{1D8BD707-D9CF-40AE-B4C6-C98DA3205C09}" type="datetimeFigureOut">
               <a:rPr lang="en-US"/>
-              <a:t>7/2/2015</a:t>
+              <a:t>7/7/2015</a:t>
             </a:fld>
             <a:endParaRPr lang="en-US" dirty="0"/>
           </a:p>
@@ -8575,7 +8701,7 @@
           <a:p>
             <a:fld id="{1D8BD707-D9CF-40AE-B4C6-C98DA3205C09}" type="datetimeFigureOut">
               <a:rPr lang="en-US"/>
-              <a:t>7/2/2015</a:t>
+              <a:t>7/7/2015</a:t>
             </a:fld>
             <a:endParaRPr lang="en-US" dirty="0"/>
           </a:p>
@@ -8778,6 +8904,132 @@
               <a:t>‹#›</a:t>
             </a:fld>
             <a:endParaRPr dirty="0"/>
+          </a:p>
+        </p:txBody>
+      </p:sp>
+      <p:sp>
+        <p:nvSpPr>
+          <p:cNvPr id="5" name="object 41"/>
+          <p:cNvSpPr txBox="1">
+            <a:spLocks/>
+          </p:cNvSpPr>
+          <p:nvPr userDrawn="1"/>
+        </p:nvSpPr>
+        <p:spPr>
+          <a:xfrm>
+            <a:off x="7809552" y="8691553"/>
+            <a:ext cx="533400" cy="251143"/>
+          </a:xfrm>
+          <a:prstGeom prst="rect">
+            <a:avLst/>
+          </a:prstGeom>
+        </p:spPr>
+        <p:txBody>
+          <a:bodyPr vert="horz" wrap="square" lIns="0" tIns="0" rIns="0" bIns="0" rtlCol="0">
+            <a:spAutoFit/>
+          </a:bodyPr>
+          <a:lstStyle>
+            <a:defPPr>
+              <a:defRPr lang="en-US"/>
+            </a:defPPr>
+            <a:lvl1pPr marL="0" algn="l" defTabSz="914400" rtl="0" eaLnBrk="1" latinLnBrk="0" hangingPunct="1">
+              <a:defRPr sz="1600" b="0" i="0" kern="1200">
+                <a:solidFill>
+                  <a:schemeClr val="tx1"/>
+                </a:solidFill>
+                <a:latin typeface="Gill Sans MT"/>
+                <a:ea typeface="+mn-ea"/>
+                <a:cs typeface="Gill Sans MT"/>
+              </a:defRPr>
+            </a:lvl1pPr>
+            <a:lvl2pPr marL="457200" algn="l" defTabSz="914400" rtl="0" eaLnBrk="1" latinLnBrk="0" hangingPunct="1">
+              <a:defRPr sz="1800" kern="1200">
+                <a:solidFill>
+                  <a:schemeClr val="tx1"/>
+                </a:solidFill>
+                <a:latin typeface="+mn-lt"/>
+                <a:ea typeface="+mn-ea"/>
+                <a:cs typeface="+mn-cs"/>
+              </a:defRPr>
+            </a:lvl2pPr>
+            <a:lvl3pPr marL="914400" algn="l" defTabSz="914400" rtl="0" eaLnBrk="1" latinLnBrk="0" hangingPunct="1">
+              <a:defRPr sz="1800" kern="1200">
+                <a:solidFill>
+                  <a:schemeClr val="tx1"/>
+                </a:solidFill>
+                <a:latin typeface="+mn-lt"/>
+                <a:ea typeface="+mn-ea"/>
+                <a:cs typeface="+mn-cs"/>
+              </a:defRPr>
+            </a:lvl3pPr>
+            <a:lvl4pPr marL="1371600" algn="l" defTabSz="914400" rtl="0" eaLnBrk="1" latinLnBrk="0" hangingPunct="1">
+              <a:defRPr sz="1800" kern="1200">
+                <a:solidFill>
+                  <a:schemeClr val="tx1"/>
+                </a:solidFill>
+                <a:latin typeface="+mn-lt"/>
+                <a:ea typeface="+mn-ea"/>
+                <a:cs typeface="+mn-cs"/>
+              </a:defRPr>
+            </a:lvl4pPr>
+            <a:lvl5pPr marL="1828800" algn="l" defTabSz="914400" rtl="0" eaLnBrk="1" latinLnBrk="0" hangingPunct="1">
+              <a:defRPr sz="1800" kern="1200">
+                <a:solidFill>
+                  <a:schemeClr val="tx1"/>
+                </a:solidFill>
+                <a:latin typeface="+mn-lt"/>
+                <a:ea typeface="+mn-ea"/>
+                <a:cs typeface="+mn-cs"/>
+              </a:defRPr>
+            </a:lvl5pPr>
+            <a:lvl6pPr marL="2286000" algn="l" defTabSz="914400" rtl="0" eaLnBrk="1" latinLnBrk="0" hangingPunct="1">
+              <a:defRPr sz="1800" kern="1200">
+                <a:solidFill>
+                  <a:schemeClr val="tx1"/>
+                </a:solidFill>
+                <a:latin typeface="+mn-lt"/>
+                <a:ea typeface="+mn-ea"/>
+                <a:cs typeface="+mn-cs"/>
+              </a:defRPr>
+            </a:lvl6pPr>
+            <a:lvl7pPr marL="2743200" algn="l" defTabSz="914400" rtl="0" eaLnBrk="1" latinLnBrk="0" hangingPunct="1">
+              <a:defRPr sz="1800" kern="1200">
+                <a:solidFill>
+                  <a:schemeClr val="tx1"/>
+                </a:solidFill>
+                <a:latin typeface="+mn-lt"/>
+                <a:ea typeface="+mn-ea"/>
+                <a:cs typeface="+mn-cs"/>
+              </a:defRPr>
+            </a:lvl7pPr>
+            <a:lvl8pPr marL="3200400" algn="l" defTabSz="914400" rtl="0" eaLnBrk="1" latinLnBrk="0" hangingPunct="1">
+              <a:defRPr sz="1800" kern="1200">
+                <a:solidFill>
+                  <a:schemeClr val="tx1"/>
+                </a:solidFill>
+                <a:latin typeface="+mn-lt"/>
+                <a:ea typeface="+mn-ea"/>
+                <a:cs typeface="+mn-cs"/>
+              </a:defRPr>
+            </a:lvl8pPr>
+            <a:lvl9pPr marL="3657600" algn="l" defTabSz="914400" rtl="0" eaLnBrk="1" latinLnBrk="0" hangingPunct="1">
+              <a:defRPr sz="1800" kern="1200">
+                <a:solidFill>
+                  <a:schemeClr val="tx1"/>
+                </a:solidFill>
+                <a:latin typeface="+mn-lt"/>
+                <a:ea typeface="+mn-ea"/>
+                <a:cs typeface="+mn-cs"/>
+              </a:defRPr>
+            </a:lvl9pPr>
+          </a:lstStyle>
+          <a:p>
+            <a:pPr marL="25400"/>
+            <a:r>
+              <a:rPr lang="en-US" dirty="0" smtClean="0"/>
+              <a:t>9-</a:t>
+            </a:r>
+            <a:endParaRPr lang="en-US" dirty="0"/>
           </a:p>
         </p:txBody>
       </p:sp>
@@ -8918,6 +9170,132 @@
           </a:p>
         </p:txBody>
       </p:sp>
+      <p:sp>
+        <p:nvSpPr>
+          <p:cNvPr id="6" name="object 41"/>
+          <p:cNvSpPr txBox="1">
+            <a:spLocks/>
+          </p:cNvSpPr>
+          <p:nvPr userDrawn="1"/>
+        </p:nvSpPr>
+        <p:spPr>
+          <a:xfrm>
+            <a:off x="7809552" y="8691553"/>
+            <a:ext cx="533400" cy="251143"/>
+          </a:xfrm>
+          <a:prstGeom prst="rect">
+            <a:avLst/>
+          </a:prstGeom>
+        </p:spPr>
+        <p:txBody>
+          <a:bodyPr vert="horz" wrap="square" lIns="0" tIns="0" rIns="0" bIns="0" rtlCol="0">
+            <a:spAutoFit/>
+          </a:bodyPr>
+          <a:lstStyle>
+            <a:defPPr>
+              <a:defRPr lang="en-US"/>
+            </a:defPPr>
+            <a:lvl1pPr marL="0" algn="l" defTabSz="914400" rtl="0" eaLnBrk="1" latinLnBrk="0" hangingPunct="1">
+              <a:defRPr sz="1600" b="0" i="0" kern="1200">
+                <a:solidFill>
+                  <a:schemeClr val="tx1"/>
+                </a:solidFill>
+                <a:latin typeface="Gill Sans MT"/>
+                <a:ea typeface="+mn-ea"/>
+                <a:cs typeface="Gill Sans MT"/>
+              </a:defRPr>
+            </a:lvl1pPr>
+            <a:lvl2pPr marL="457200" algn="l" defTabSz="914400" rtl="0" eaLnBrk="1" latinLnBrk="0" hangingPunct="1">
+              <a:defRPr sz="1800" kern="1200">
+                <a:solidFill>
+                  <a:schemeClr val="tx1"/>
+                </a:solidFill>
+                <a:latin typeface="+mn-lt"/>
+                <a:ea typeface="+mn-ea"/>
+                <a:cs typeface="+mn-cs"/>
+              </a:defRPr>
+            </a:lvl2pPr>
+            <a:lvl3pPr marL="914400" algn="l" defTabSz="914400" rtl="0" eaLnBrk="1" latinLnBrk="0" hangingPunct="1">
+              <a:defRPr sz="1800" kern="1200">
+                <a:solidFill>
+                  <a:schemeClr val="tx1"/>
+                </a:solidFill>
+                <a:latin typeface="+mn-lt"/>
+                <a:ea typeface="+mn-ea"/>
+                <a:cs typeface="+mn-cs"/>
+              </a:defRPr>
+            </a:lvl3pPr>
+            <a:lvl4pPr marL="1371600" algn="l" defTabSz="914400" rtl="0" eaLnBrk="1" latinLnBrk="0" hangingPunct="1">
+              <a:defRPr sz="1800" kern="1200">
+                <a:solidFill>
+                  <a:schemeClr val="tx1"/>
+                </a:solidFill>
+                <a:latin typeface="+mn-lt"/>
+                <a:ea typeface="+mn-ea"/>
+                <a:cs typeface="+mn-cs"/>
+              </a:defRPr>
+            </a:lvl4pPr>
+            <a:lvl5pPr marL="1828800" algn="l" defTabSz="914400" rtl="0" eaLnBrk="1" latinLnBrk="0" hangingPunct="1">
+              <a:defRPr sz="1800" kern="1200">
+                <a:solidFill>
+                  <a:schemeClr val="tx1"/>
+                </a:solidFill>
+                <a:latin typeface="+mn-lt"/>
+                <a:ea typeface="+mn-ea"/>
+                <a:cs typeface="+mn-cs"/>
+              </a:defRPr>
+            </a:lvl5pPr>
+            <a:lvl6pPr marL="2286000" algn="l" defTabSz="914400" rtl="0" eaLnBrk="1" latinLnBrk="0" hangingPunct="1">
+              <a:defRPr sz="1800" kern="1200">
+                <a:solidFill>
+                  <a:schemeClr val="tx1"/>
+                </a:solidFill>
+                <a:latin typeface="+mn-lt"/>
+                <a:ea typeface="+mn-ea"/>
+                <a:cs typeface="+mn-cs"/>
+              </a:defRPr>
+            </a:lvl6pPr>
+            <a:lvl7pPr marL="2743200" algn="l" defTabSz="914400" rtl="0" eaLnBrk="1" latinLnBrk="0" hangingPunct="1">
+              <a:defRPr sz="1800" kern="1200">
+                <a:solidFill>
+                  <a:schemeClr val="tx1"/>
+                </a:solidFill>
+                <a:latin typeface="+mn-lt"/>
+                <a:ea typeface="+mn-ea"/>
+                <a:cs typeface="+mn-cs"/>
+              </a:defRPr>
+            </a:lvl7pPr>
+            <a:lvl8pPr marL="3200400" algn="l" defTabSz="914400" rtl="0" eaLnBrk="1" latinLnBrk="0" hangingPunct="1">
+              <a:defRPr sz="1800" kern="1200">
+                <a:solidFill>
+                  <a:schemeClr val="tx1"/>
+                </a:solidFill>
+                <a:latin typeface="+mn-lt"/>
+                <a:ea typeface="+mn-ea"/>
+                <a:cs typeface="+mn-cs"/>
+              </a:defRPr>
+            </a:lvl8pPr>
+            <a:lvl9pPr marL="3657600" algn="l" defTabSz="914400" rtl="0" eaLnBrk="1" latinLnBrk="0" hangingPunct="1">
+              <a:defRPr sz="1800" kern="1200">
+                <a:solidFill>
+                  <a:schemeClr val="tx1"/>
+                </a:solidFill>
+                <a:latin typeface="+mn-lt"/>
+                <a:ea typeface="+mn-ea"/>
+                <a:cs typeface="+mn-cs"/>
+              </a:defRPr>
+            </a:lvl9pPr>
+          </a:lstStyle>
+          <a:p>
+            <a:pPr marL="25400"/>
+            <a:r>
+              <a:rPr lang="en-US" dirty="0" smtClean="0"/>
+              <a:t>9-</a:t>
+            </a:r>
+            <a:endParaRPr lang="en-US" dirty="0"/>
+          </a:p>
+        </p:txBody>
+      </p:sp>
     </p:spTree>
     <p:extLst>
       <p:ext uri="{BB962C8B-B14F-4D97-AF65-F5344CB8AC3E}">
@@ -9161,7 +9539,7 @@
           <a:p>
             <a:fld id="{1D8BD707-D9CF-40AE-B4C6-C98DA3205C09}" type="datetimeFigureOut">
               <a:rPr lang="en-US"/>
-              <a:t>7/2/2015</a:t>
+              <a:t>7/7/2015</a:t>
             </a:fld>
             <a:endParaRPr lang="en-US" dirty="0"/>
           </a:p>
@@ -19899,6 +20277,132 @@
           </a:p>
         </p:txBody>
       </p:sp>
+      <p:sp>
+        <p:nvSpPr>
+          <p:cNvPr id="133" name="object 41"/>
+          <p:cNvSpPr txBox="1">
+            <a:spLocks/>
+          </p:cNvSpPr>
+          <p:nvPr/>
+        </p:nvSpPr>
+        <p:spPr>
+          <a:xfrm>
+            <a:off x="7809552" y="8691553"/>
+            <a:ext cx="533400" cy="251143"/>
+          </a:xfrm>
+          <a:prstGeom prst="rect">
+            <a:avLst/>
+          </a:prstGeom>
+        </p:spPr>
+        <p:txBody>
+          <a:bodyPr vert="horz" wrap="square" lIns="0" tIns="0" rIns="0" bIns="0" rtlCol="0">
+            <a:spAutoFit/>
+          </a:bodyPr>
+          <a:lstStyle>
+            <a:defPPr>
+              <a:defRPr lang="en-US"/>
+            </a:defPPr>
+            <a:lvl1pPr marL="0" algn="l" defTabSz="914400" rtl="0" eaLnBrk="1" latinLnBrk="0" hangingPunct="1">
+              <a:defRPr sz="1600" b="0" i="0" kern="1200">
+                <a:solidFill>
+                  <a:schemeClr val="tx1"/>
+                </a:solidFill>
+                <a:latin typeface="Gill Sans MT"/>
+                <a:ea typeface="+mn-ea"/>
+                <a:cs typeface="Gill Sans MT"/>
+              </a:defRPr>
+            </a:lvl1pPr>
+            <a:lvl2pPr marL="457200" algn="l" defTabSz="914400" rtl="0" eaLnBrk="1" latinLnBrk="0" hangingPunct="1">
+              <a:defRPr sz="1800" kern="1200">
+                <a:solidFill>
+                  <a:schemeClr val="tx1"/>
+                </a:solidFill>
+                <a:latin typeface="+mn-lt"/>
+                <a:ea typeface="+mn-ea"/>
+                <a:cs typeface="+mn-cs"/>
+              </a:defRPr>
+            </a:lvl2pPr>
+            <a:lvl3pPr marL="914400" algn="l" defTabSz="914400" rtl="0" eaLnBrk="1" latinLnBrk="0" hangingPunct="1">
+              <a:defRPr sz="1800" kern="1200">
+                <a:solidFill>
+                  <a:schemeClr val="tx1"/>
+                </a:solidFill>
+                <a:latin typeface="+mn-lt"/>
+                <a:ea typeface="+mn-ea"/>
+                <a:cs typeface="+mn-cs"/>
+              </a:defRPr>
+            </a:lvl3pPr>
+            <a:lvl4pPr marL="1371600" algn="l" defTabSz="914400" rtl="0" eaLnBrk="1" latinLnBrk="0" hangingPunct="1">
+              <a:defRPr sz="1800" kern="1200">
+                <a:solidFill>
+                  <a:schemeClr val="tx1"/>
+                </a:solidFill>
+                <a:latin typeface="+mn-lt"/>
+                <a:ea typeface="+mn-ea"/>
+                <a:cs typeface="+mn-cs"/>
+              </a:defRPr>
+            </a:lvl4pPr>
+            <a:lvl5pPr marL="1828800" algn="l" defTabSz="914400" rtl="0" eaLnBrk="1" latinLnBrk="0" hangingPunct="1">
+              <a:defRPr sz="1800" kern="1200">
+                <a:solidFill>
+                  <a:schemeClr val="tx1"/>
+                </a:solidFill>
+                <a:latin typeface="+mn-lt"/>
+                <a:ea typeface="+mn-ea"/>
+                <a:cs typeface="+mn-cs"/>
+              </a:defRPr>
+            </a:lvl5pPr>
+            <a:lvl6pPr marL="2286000" algn="l" defTabSz="914400" rtl="0" eaLnBrk="1" latinLnBrk="0" hangingPunct="1">
+              <a:defRPr sz="1800" kern="1200">
+                <a:solidFill>
+                  <a:schemeClr val="tx1"/>
+                </a:solidFill>
+                <a:latin typeface="+mn-lt"/>
+                <a:ea typeface="+mn-ea"/>
+                <a:cs typeface="+mn-cs"/>
+              </a:defRPr>
+            </a:lvl6pPr>
+            <a:lvl7pPr marL="2743200" algn="l" defTabSz="914400" rtl="0" eaLnBrk="1" latinLnBrk="0" hangingPunct="1">
+              <a:defRPr sz="1800" kern="1200">
+                <a:solidFill>
+                  <a:schemeClr val="tx1"/>
+                </a:solidFill>
+                <a:latin typeface="+mn-lt"/>
+                <a:ea typeface="+mn-ea"/>
+                <a:cs typeface="+mn-cs"/>
+              </a:defRPr>
+            </a:lvl7pPr>
+            <a:lvl8pPr marL="3200400" algn="l" defTabSz="914400" rtl="0" eaLnBrk="1" latinLnBrk="0" hangingPunct="1">
+              <a:defRPr sz="1800" kern="1200">
+                <a:solidFill>
+                  <a:schemeClr val="tx1"/>
+                </a:solidFill>
+                <a:latin typeface="+mn-lt"/>
+                <a:ea typeface="+mn-ea"/>
+                <a:cs typeface="+mn-cs"/>
+              </a:defRPr>
+            </a:lvl8pPr>
+            <a:lvl9pPr marL="3657600" algn="l" defTabSz="914400" rtl="0" eaLnBrk="1" latinLnBrk="0" hangingPunct="1">
+              <a:defRPr sz="1800" kern="1200">
+                <a:solidFill>
+                  <a:schemeClr val="tx1"/>
+                </a:solidFill>
+                <a:latin typeface="+mn-lt"/>
+                <a:ea typeface="+mn-ea"/>
+                <a:cs typeface="+mn-cs"/>
+              </a:defRPr>
+            </a:lvl9pPr>
+          </a:lstStyle>
+          <a:p>
+            <a:pPr marL="25400"/>
+            <a:r>
+              <a:rPr lang="en-US" dirty="0" smtClean="0"/>
+              <a:t>9-</a:t>
+            </a:r>
+            <a:endParaRPr lang="en-US" dirty="0"/>
+          </a:p>
+        </p:txBody>
+      </p:sp>
     </p:spTree>
   </p:cSld>
   <p:clrMapOvr>
@@ -19950,7 +20454,7 @@
           </a:ln>
           <a:extLst>
             <a:ext uri="{C572A759-6A51-4108-AA02-DFA0A04FC94B}">
-              <ma14:wrappingTextBoxFlag xmlns="" xmlns:ma14="http://schemas.microsoft.com/office/mac/drawingml/2011/main" val="1"/>
+              <ma14:wrappingTextBoxFlag xmlns:ma14="http://schemas.microsoft.com/office/mac/drawingml/2011/main" xmlns="" val="1"/>
             </a:ext>
           </a:extLst>
         </p:spPr>
@@ -19998,7 +20502,7 @@
           </a:ln>
           <a:extLst>
             <a:ext uri="{C572A759-6A51-4108-AA02-DFA0A04FC94B}">
-              <ma14:wrappingTextBoxFlag xmlns="" xmlns:ma14="http://schemas.microsoft.com/office/mac/drawingml/2011/main" val="1"/>
+              <ma14:wrappingTextBoxFlag xmlns:ma14="http://schemas.microsoft.com/office/mac/drawingml/2011/main" xmlns="" val="1"/>
             </a:ext>
           </a:extLst>
         </p:spPr>
@@ -20055,7 +20559,7 @@
           </a:ln>
           <a:extLst>
             <a:ext uri="{C572A759-6A51-4108-AA02-DFA0A04FC94B}">
-              <ma14:wrappingTextBoxFlag xmlns="" xmlns:ma14="http://schemas.microsoft.com/office/mac/drawingml/2011/main" val="1"/>
+              <ma14:wrappingTextBoxFlag xmlns:ma14="http://schemas.microsoft.com/office/mac/drawingml/2011/main" xmlns="" val="1"/>
             </a:ext>
           </a:extLst>
         </p:spPr>
@@ -20381,7 +20885,7 @@
           </a:ln>
           <a:extLst>
             <a:ext uri="{C572A759-6A51-4108-AA02-DFA0A04FC94B}">
-              <ma14:wrappingTextBoxFlag xmlns="" xmlns:ma14="http://schemas.microsoft.com/office/mac/drawingml/2011/main" val="1"/>
+              <ma14:wrappingTextBoxFlag xmlns:ma14="http://schemas.microsoft.com/office/mac/drawingml/2011/main" xmlns="" val="1"/>
             </a:ext>
           </a:extLst>
         </p:spPr>
@@ -20429,7 +20933,7 @@
           </a:ln>
           <a:extLst>
             <a:ext uri="{C572A759-6A51-4108-AA02-DFA0A04FC94B}">
-              <ma14:wrappingTextBoxFlag xmlns="" xmlns:ma14="http://schemas.microsoft.com/office/mac/drawingml/2011/main" val="1"/>
+              <ma14:wrappingTextBoxFlag xmlns:ma14="http://schemas.microsoft.com/office/mac/drawingml/2011/main" xmlns="" val="1"/>
             </a:ext>
           </a:extLst>
         </p:spPr>
@@ -20477,7 +20981,7 @@
           </a:ln>
           <a:extLst>
             <a:ext uri="{C572A759-6A51-4108-AA02-DFA0A04FC94B}">
-              <ma14:wrappingTextBoxFlag xmlns="" xmlns:ma14="http://schemas.microsoft.com/office/mac/drawingml/2011/main" val="1"/>
+              <ma14:wrappingTextBoxFlag xmlns:ma14="http://schemas.microsoft.com/office/mac/drawingml/2011/main" xmlns="" val="1"/>
             </a:ext>
           </a:extLst>
         </p:spPr>
@@ -20534,7 +21038,7 @@
           </a:ln>
           <a:extLst>
             <a:ext uri="{C572A759-6A51-4108-AA02-DFA0A04FC94B}">
-              <ma14:wrappingTextBoxFlag xmlns="" xmlns:ma14="http://schemas.microsoft.com/office/mac/drawingml/2011/main" val="1"/>
+              <ma14:wrappingTextBoxFlag xmlns:ma14="http://schemas.microsoft.com/office/mac/drawingml/2011/main" xmlns="" val="1"/>
             </a:ext>
           </a:extLst>
         </p:spPr>
@@ -20677,7 +21181,7 @@
           </a:ln>
           <a:extLst>
             <a:ext uri="{C572A759-6A51-4108-AA02-DFA0A04FC94B}">
-              <ma14:wrappingTextBoxFlag xmlns="" xmlns:ma14="http://schemas.microsoft.com/office/mac/drawingml/2011/main" val="1"/>
+              <ma14:wrappingTextBoxFlag xmlns:ma14="http://schemas.microsoft.com/office/mac/drawingml/2011/main" xmlns="" val="1"/>
             </a:ext>
           </a:extLst>
         </p:spPr>
@@ -20792,7 +21296,7 @@
           </a:ln>
           <a:extLst>
             <a:ext uri="{C572A759-6A51-4108-AA02-DFA0A04FC94B}">
-              <ma14:wrappingTextBoxFlag xmlns="" xmlns:ma14="http://schemas.microsoft.com/office/mac/drawingml/2011/main" val="1"/>
+              <ma14:wrappingTextBoxFlag xmlns:ma14="http://schemas.microsoft.com/office/mac/drawingml/2011/main" xmlns="" val="1"/>
             </a:ext>
           </a:extLst>
         </p:spPr>
@@ -20952,7 +21456,7 @@
           </a:ln>
           <a:extLst>
             <a:ext uri="{C572A759-6A51-4108-AA02-DFA0A04FC94B}">
-              <ma14:wrappingTextBoxFlag xmlns="" xmlns:ma14="http://schemas.microsoft.com/office/mac/drawingml/2011/main" val="1"/>
+              <ma14:wrappingTextBoxFlag xmlns:ma14="http://schemas.microsoft.com/office/mac/drawingml/2011/main" xmlns="" val="1"/>
             </a:ext>
           </a:extLst>
         </p:spPr>
@@ -21180,7 +21684,7 @@
           </a:ln>
           <a:extLst>
             <a:ext uri="{C572A759-6A51-4108-AA02-DFA0A04FC94B}">
-              <ma14:wrappingTextBoxFlag xmlns="" xmlns:ma14="http://schemas.microsoft.com/office/mac/drawingml/2011/main" val="1"/>
+              <ma14:wrappingTextBoxFlag xmlns:ma14="http://schemas.microsoft.com/office/mac/drawingml/2011/main" xmlns="" val="1"/>
             </a:ext>
           </a:extLst>
         </p:spPr>
@@ -21228,7 +21732,7 @@
           </a:ln>
           <a:extLst>
             <a:ext uri="{C572A759-6A51-4108-AA02-DFA0A04FC94B}">
-              <ma14:wrappingTextBoxFlag xmlns="" xmlns:ma14="http://schemas.microsoft.com/office/mac/drawingml/2011/main" val="1"/>
+              <ma14:wrappingTextBoxFlag xmlns:ma14="http://schemas.microsoft.com/office/mac/drawingml/2011/main" xmlns="" val="1"/>
             </a:ext>
           </a:extLst>
         </p:spPr>
@@ -21285,7 +21789,7 @@
           </a:ln>
           <a:extLst>
             <a:ext uri="{C572A759-6A51-4108-AA02-DFA0A04FC94B}">
-              <ma14:wrappingTextBoxFlag xmlns="" xmlns:ma14="http://schemas.microsoft.com/office/mac/drawingml/2011/main" val="1"/>
+              <ma14:wrappingTextBoxFlag xmlns:ma14="http://schemas.microsoft.com/office/mac/drawingml/2011/main" xmlns="" val="1"/>
             </a:ext>
           </a:extLst>
         </p:spPr>
@@ -21641,7 +22145,7 @@
           </a:ln>
           <a:extLst>
             <a:ext uri="{C572A759-6A51-4108-AA02-DFA0A04FC94B}">
-              <ma14:wrappingTextBoxFlag xmlns="" xmlns:ma14="http://schemas.microsoft.com/office/mac/drawingml/2011/main" val="1"/>
+              <ma14:wrappingTextBoxFlag xmlns:ma14="http://schemas.microsoft.com/office/mac/drawingml/2011/main" xmlns="" val="1"/>
             </a:ext>
           </a:extLst>
         </p:spPr>
@@ -21727,7 +22231,7 @@
           </a:ln>
           <a:extLst>
             <a:ext uri="{C572A759-6A51-4108-AA02-DFA0A04FC94B}">
-              <ma14:wrappingTextBoxFlag xmlns="" xmlns:ma14="http://schemas.microsoft.com/office/mac/drawingml/2011/main" val="1"/>
+              <ma14:wrappingTextBoxFlag xmlns:ma14="http://schemas.microsoft.com/office/mac/drawingml/2011/main" xmlns="" val="1"/>
             </a:ext>
           </a:extLst>
         </p:spPr>
@@ -21854,7 +22358,7 @@
           </a:ln>
           <a:extLst>
             <a:ext uri="{C572A759-6A51-4108-AA02-DFA0A04FC94B}">
-              <ma14:wrappingTextBoxFlag xmlns="" xmlns:ma14="http://schemas.microsoft.com/office/mac/drawingml/2011/main" val="1"/>
+              <ma14:wrappingTextBoxFlag xmlns:ma14="http://schemas.microsoft.com/office/mac/drawingml/2011/main" xmlns="" val="1"/>
             </a:ext>
           </a:extLst>
         </p:spPr>
@@ -22226,7 +22730,7 @@
           </a:ln>
           <a:extLst>
             <a:ext uri="{C572A759-6A51-4108-AA02-DFA0A04FC94B}">
-              <ma14:wrappingTextBoxFlag xmlns="" xmlns:ma14="http://schemas.microsoft.com/office/mac/drawingml/2011/main" val="1"/>
+              <ma14:wrappingTextBoxFlag xmlns:ma14="http://schemas.microsoft.com/office/mac/drawingml/2011/main" xmlns="" val="1"/>
             </a:ext>
           </a:extLst>
         </p:spPr>
@@ -22530,7 +23034,7 @@
           </a:ln>
           <a:extLst>
             <a:ext uri="{C572A759-6A51-4108-AA02-DFA0A04FC94B}">
-              <ma14:wrappingTextBoxFlag xmlns="" xmlns:ma14="http://schemas.microsoft.com/office/mac/drawingml/2011/main" val="1"/>
+              <ma14:wrappingTextBoxFlag xmlns:ma14="http://schemas.microsoft.com/office/mac/drawingml/2011/main" xmlns="" val="1"/>
             </a:ext>
           </a:extLst>
         </p:spPr>
@@ -22578,7 +23082,7 @@
           </a:ln>
           <a:extLst>
             <a:ext uri="{C572A759-6A51-4108-AA02-DFA0A04FC94B}">
-              <ma14:wrappingTextBoxFlag xmlns="" xmlns:ma14="http://schemas.microsoft.com/office/mac/drawingml/2011/main" val="1"/>
+              <ma14:wrappingTextBoxFlag xmlns:ma14="http://schemas.microsoft.com/office/mac/drawingml/2011/main" xmlns="" val="1"/>
             </a:ext>
           </a:extLst>
         </p:spPr>
@@ -22626,7 +23130,7 @@
           </a:ln>
           <a:extLst>
             <a:ext uri="{C572A759-6A51-4108-AA02-DFA0A04FC94B}">
-              <ma14:wrappingTextBoxFlag xmlns="" xmlns:ma14="http://schemas.microsoft.com/office/mac/drawingml/2011/main" val="1"/>
+              <ma14:wrappingTextBoxFlag xmlns:ma14="http://schemas.microsoft.com/office/mac/drawingml/2011/main" xmlns="" val="1"/>
             </a:ext>
           </a:extLst>
         </p:spPr>
@@ -22683,7 +23187,7 @@
           </a:ln>
           <a:extLst>
             <a:ext uri="{C572A759-6A51-4108-AA02-DFA0A04FC94B}">
-              <ma14:wrappingTextBoxFlag xmlns="" xmlns:ma14="http://schemas.microsoft.com/office/mac/drawingml/2011/main" val="1"/>
+              <ma14:wrappingTextBoxFlag xmlns:ma14="http://schemas.microsoft.com/office/mac/drawingml/2011/main" xmlns="" val="1"/>
             </a:ext>
           </a:extLst>
         </p:spPr>
@@ -23014,7 +23518,7 @@
           </a:ln>
           <a:extLst>
             <a:ext uri="{C572A759-6A51-4108-AA02-DFA0A04FC94B}">
-              <ma14:wrappingTextBoxFlag xmlns="" xmlns:ma14="http://schemas.microsoft.com/office/mac/drawingml/2011/main" val="1"/>
+              <ma14:wrappingTextBoxFlag xmlns:ma14="http://schemas.microsoft.com/office/mac/drawingml/2011/main" xmlns="" val="1"/>
             </a:ext>
           </a:extLst>
         </p:spPr>
@@ -23062,7 +23566,7 @@
           </a:ln>
           <a:extLst>
             <a:ext uri="{C572A759-6A51-4108-AA02-DFA0A04FC94B}">
-              <ma14:wrappingTextBoxFlag xmlns="" xmlns:ma14="http://schemas.microsoft.com/office/mac/drawingml/2011/main" val="1"/>
+              <ma14:wrappingTextBoxFlag xmlns:ma14="http://schemas.microsoft.com/office/mac/drawingml/2011/main" xmlns="" val="1"/>
             </a:ext>
           </a:extLst>
         </p:spPr>
@@ -23119,7 +23623,7 @@
           </a:ln>
           <a:extLst>
             <a:ext uri="{C572A759-6A51-4108-AA02-DFA0A04FC94B}">
-              <ma14:wrappingTextBoxFlag xmlns="" xmlns:ma14="http://schemas.microsoft.com/office/mac/drawingml/2011/main" val="1"/>
+              <ma14:wrappingTextBoxFlag xmlns:ma14="http://schemas.microsoft.com/office/mac/drawingml/2011/main" xmlns="" val="1"/>
             </a:ext>
           </a:extLst>
         </p:spPr>
@@ -23485,7 +23989,7 @@
           </a:ln>
           <a:extLst>
             <a:ext uri="{C572A759-6A51-4108-AA02-DFA0A04FC94B}">
-              <ma14:wrappingTextBoxFlag xmlns="" xmlns:ma14="http://schemas.microsoft.com/office/mac/drawingml/2011/main" val="1"/>
+              <ma14:wrappingTextBoxFlag xmlns:ma14="http://schemas.microsoft.com/office/mac/drawingml/2011/main" xmlns="" val="1"/>
             </a:ext>
           </a:extLst>
         </p:spPr>
@@ -23571,7 +24075,7 @@
           </a:ln>
           <a:extLst>
             <a:ext uri="{C572A759-6A51-4108-AA02-DFA0A04FC94B}">
-              <ma14:wrappingTextBoxFlag xmlns="" xmlns:ma14="http://schemas.microsoft.com/office/mac/drawingml/2011/main" val="1"/>
+              <ma14:wrappingTextBoxFlag xmlns:ma14="http://schemas.microsoft.com/office/mac/drawingml/2011/main" xmlns="" val="1"/>
             </a:ext>
           </a:extLst>
         </p:spPr>
@@ -23696,7 +24200,7 @@
           </a:ln>
           <a:extLst>
             <a:ext uri="{C572A759-6A51-4108-AA02-DFA0A04FC94B}">
-              <ma14:wrappingTextBoxFlag xmlns="" xmlns:ma14="http://schemas.microsoft.com/office/mac/drawingml/2011/main" val="1"/>
+              <ma14:wrappingTextBoxFlag xmlns:ma14="http://schemas.microsoft.com/office/mac/drawingml/2011/main" xmlns="" val="1"/>
             </a:ext>
           </a:extLst>
         </p:spPr>
@@ -23913,7 +24417,7 @@
           </a:ln>
           <a:extLst>
             <a:ext uri="{C572A759-6A51-4108-AA02-DFA0A04FC94B}">
-              <ma14:wrappingTextBoxFlag xmlns="" xmlns:ma14="http://schemas.microsoft.com/office/mac/drawingml/2011/main" val="1"/>
+              <ma14:wrappingTextBoxFlag xmlns:ma14="http://schemas.microsoft.com/office/mac/drawingml/2011/main" xmlns="" val="1"/>
             </a:ext>
           </a:extLst>
         </p:spPr>
@@ -24151,7 +24655,7 @@
           </a:ln>
           <a:extLst>
             <a:ext uri="{C572A759-6A51-4108-AA02-DFA0A04FC94B}">
-              <ma14:wrappingTextBoxFlag xmlns="" xmlns:ma14="http://schemas.microsoft.com/office/mac/drawingml/2011/main" val="1"/>
+              <ma14:wrappingTextBoxFlag xmlns:ma14="http://schemas.microsoft.com/office/mac/drawingml/2011/main" xmlns="" val="1"/>
             </a:ext>
           </a:extLst>
         </p:spPr>
@@ -24199,7 +24703,7 @@
           </a:ln>
           <a:extLst>
             <a:ext uri="{C572A759-6A51-4108-AA02-DFA0A04FC94B}">
-              <ma14:wrappingTextBoxFlag xmlns="" xmlns:ma14="http://schemas.microsoft.com/office/mac/drawingml/2011/main" val="1"/>
+              <ma14:wrappingTextBoxFlag xmlns:ma14="http://schemas.microsoft.com/office/mac/drawingml/2011/main" xmlns="" val="1"/>
             </a:ext>
           </a:extLst>
         </p:spPr>
@@ -24259,7 +24763,7 @@
           </a:ln>
           <a:extLst>
             <a:ext uri="{C572A759-6A51-4108-AA02-DFA0A04FC94B}">
-              <ma14:wrappingTextBoxFlag xmlns="" xmlns:ma14="http://schemas.microsoft.com/office/mac/drawingml/2011/main" val="1"/>
+              <ma14:wrappingTextBoxFlag xmlns:ma14="http://schemas.microsoft.com/office/mac/drawingml/2011/main" xmlns="" val="1"/>
             </a:ext>
           </a:extLst>
         </p:spPr>
@@ -24485,7 +24989,7 @@
           </a:ln>
           <a:extLst>
             <a:ext uri="{C572A759-6A51-4108-AA02-DFA0A04FC94B}">
-              <ma14:wrappingTextBoxFlag xmlns="" xmlns:ma14="http://schemas.microsoft.com/office/mac/drawingml/2011/main" val="1"/>
+              <ma14:wrappingTextBoxFlag xmlns:ma14="http://schemas.microsoft.com/office/mac/drawingml/2011/main" xmlns="" val="1"/>
             </a:ext>
           </a:extLst>
         </p:spPr>
@@ -24612,7 +25116,7 @@
           </a:ln>
           <a:extLst>
             <a:ext uri="{C572A759-6A51-4108-AA02-DFA0A04FC94B}">
-              <ma14:wrappingTextBoxFlag xmlns="" xmlns:ma14="http://schemas.microsoft.com/office/mac/drawingml/2011/main" val="1"/>
+              <ma14:wrappingTextBoxFlag xmlns:ma14="http://schemas.microsoft.com/office/mac/drawingml/2011/main" xmlns="" val="1"/>
             </a:ext>
           </a:extLst>
         </p:spPr>
@@ -24708,7 +25212,7 @@
           </a:ln>
           <a:extLst>
             <a:ext uri="{C572A759-6A51-4108-AA02-DFA0A04FC94B}">
-              <ma14:wrappingTextBoxFlag xmlns="" xmlns:ma14="http://schemas.microsoft.com/office/mac/drawingml/2011/main" val="1"/>
+              <ma14:wrappingTextBoxFlag xmlns:ma14="http://schemas.microsoft.com/office/mac/drawingml/2011/main" xmlns="" val="1"/>
             </a:ext>
           </a:extLst>
         </p:spPr>
@@ -24833,7 +25337,7 @@
           </a:ln>
           <a:extLst>
             <a:ext uri="{C572A759-6A51-4108-AA02-DFA0A04FC94B}">
-              <ma14:wrappingTextBoxFlag xmlns="" xmlns:ma14="http://schemas.microsoft.com/office/mac/drawingml/2011/main" val="1"/>
+              <ma14:wrappingTextBoxFlag xmlns:ma14="http://schemas.microsoft.com/office/mac/drawingml/2011/main" xmlns="" val="1"/>
             </a:ext>
           </a:extLst>
         </p:spPr>
@@ -24938,7 +25442,7 @@
           </a:ln>
           <a:extLst>
             <a:ext uri="{C572A759-6A51-4108-AA02-DFA0A04FC94B}">
-              <ma14:wrappingTextBoxFlag xmlns="" xmlns:ma14="http://schemas.microsoft.com/office/mac/drawingml/2011/main" val="1"/>
+              <ma14:wrappingTextBoxFlag xmlns:ma14="http://schemas.microsoft.com/office/mac/drawingml/2011/main" xmlns="" val="1"/>
             </a:ext>
           </a:extLst>
         </p:spPr>
@@ -25113,7 +25617,7 @@
           </a:ln>
           <a:extLst>
             <a:ext uri="{C572A759-6A51-4108-AA02-DFA0A04FC94B}">
-              <ma14:wrappingTextBoxFlag xmlns="" xmlns:ma14="http://schemas.microsoft.com/office/mac/drawingml/2011/main" val="1"/>
+              <ma14:wrappingTextBoxFlag xmlns:ma14="http://schemas.microsoft.com/office/mac/drawingml/2011/main" xmlns="" val="1"/>
             </a:ext>
           </a:extLst>
         </p:spPr>
@@ -26889,7 +27393,7 @@
           </a:ln>
           <a:extLst>
             <a:ext uri="{C572A759-6A51-4108-AA02-DFA0A04FC94B}">
-              <ma14:wrappingTextBoxFlag xmlns="" xmlns:ma14="http://schemas.microsoft.com/office/mac/drawingml/2011/main" val="1"/>
+              <ma14:wrappingTextBoxFlag xmlns:ma14="http://schemas.microsoft.com/office/mac/drawingml/2011/main" xmlns="" val="1"/>
             </a:ext>
           </a:extLst>
         </p:spPr>
@@ -27119,7 +27623,7 @@
           </a:ln>
           <a:extLst>
             <a:ext uri="{C572A759-6A51-4108-AA02-DFA0A04FC94B}">
-              <ma14:wrappingTextBoxFlag xmlns="" xmlns:ma14="http://schemas.microsoft.com/office/mac/drawingml/2011/main" val="1"/>
+              <ma14:wrappingTextBoxFlag xmlns:ma14="http://schemas.microsoft.com/office/mac/drawingml/2011/main" xmlns="" val="1"/>
             </a:ext>
           </a:extLst>
         </p:spPr>
@@ -27256,7 +27760,7 @@
           </a:ln>
           <a:extLst>
             <a:ext uri="{C572A759-6A51-4108-AA02-DFA0A04FC94B}">
-              <ma14:wrappingTextBoxFlag xmlns="" xmlns:ma14="http://schemas.microsoft.com/office/mac/drawingml/2011/main" val="1"/>
+              <ma14:wrappingTextBoxFlag xmlns:ma14="http://schemas.microsoft.com/office/mac/drawingml/2011/main" xmlns="" val="1"/>
             </a:ext>
           </a:extLst>
         </p:spPr>
@@ -27353,7 +27857,7 @@
           </a:ln>
           <a:extLst>
             <a:ext uri="{C572A759-6A51-4108-AA02-DFA0A04FC94B}">
-              <ma14:wrappingTextBoxFlag xmlns="" xmlns:ma14="http://schemas.microsoft.com/office/mac/drawingml/2011/main" val="1"/>
+              <ma14:wrappingTextBoxFlag xmlns:ma14="http://schemas.microsoft.com/office/mac/drawingml/2011/main" xmlns="" val="1"/>
             </a:ext>
           </a:extLst>
         </p:spPr>
@@ -27491,7 +27995,7 @@
           </a:ln>
           <a:extLst>
             <a:ext uri="{C572A759-6A51-4108-AA02-DFA0A04FC94B}">
-              <ma14:wrappingTextBoxFlag xmlns="" xmlns:ma14="http://schemas.microsoft.com/office/mac/drawingml/2011/main" val="1"/>
+              <ma14:wrappingTextBoxFlag xmlns:ma14="http://schemas.microsoft.com/office/mac/drawingml/2011/main" xmlns="" val="1"/>
             </a:ext>
           </a:extLst>
         </p:spPr>
@@ -27841,7 +28345,7 @@
           </a:ln>
           <a:extLst>
             <a:ext uri="{C572A759-6A51-4108-AA02-DFA0A04FC94B}">
-              <ma14:wrappingTextBoxFlag xmlns="" xmlns:ma14="http://schemas.microsoft.com/office/mac/drawingml/2011/main" val="1"/>
+              <ma14:wrappingTextBoxFlag xmlns:ma14="http://schemas.microsoft.com/office/mac/drawingml/2011/main" xmlns="" val="1"/>
             </a:ext>
           </a:extLst>
         </p:spPr>
@@ -28163,7 +28667,7 @@
           </a:ln>
           <a:extLst>
             <a:ext uri="{C572A759-6A51-4108-AA02-DFA0A04FC94B}">
-              <ma14:wrappingTextBoxFlag xmlns="" xmlns:ma14="http://schemas.microsoft.com/office/mac/drawingml/2011/main" val="1"/>
+              <ma14:wrappingTextBoxFlag xmlns:ma14="http://schemas.microsoft.com/office/mac/drawingml/2011/main" xmlns="" val="1"/>
             </a:ext>
           </a:extLst>
         </p:spPr>
@@ -28290,7 +28794,7 @@
           </a:ln>
           <a:extLst>
             <a:ext uri="{C572A759-6A51-4108-AA02-DFA0A04FC94B}">
-              <ma14:wrappingTextBoxFlag xmlns="" xmlns:ma14="http://schemas.microsoft.com/office/mac/drawingml/2011/main" val="1"/>
+              <ma14:wrappingTextBoxFlag xmlns:ma14="http://schemas.microsoft.com/office/mac/drawingml/2011/main" xmlns="" val="1"/>
             </a:ext>
           </a:extLst>
         </p:spPr>
@@ -28652,7 +29156,7 @@
           </a:ln>
           <a:extLst>
             <a:ext uri="{C572A759-6A51-4108-AA02-DFA0A04FC94B}">
-              <ma14:wrappingTextBoxFlag xmlns="" xmlns:ma14="http://schemas.microsoft.com/office/mac/drawingml/2011/main" val="1"/>
+              <ma14:wrappingTextBoxFlag xmlns:ma14="http://schemas.microsoft.com/office/mac/drawingml/2011/main" xmlns="" val="1"/>
             </a:ext>
           </a:extLst>
         </p:spPr>
@@ -28700,7 +29204,7 @@
           </a:ln>
           <a:extLst>
             <a:ext uri="{C572A759-6A51-4108-AA02-DFA0A04FC94B}">
-              <ma14:wrappingTextBoxFlag xmlns="" xmlns:ma14="http://schemas.microsoft.com/office/mac/drawingml/2011/main" val="1"/>
+              <ma14:wrappingTextBoxFlag xmlns:ma14="http://schemas.microsoft.com/office/mac/drawingml/2011/main" xmlns="" val="1"/>
             </a:ext>
           </a:extLst>
         </p:spPr>
@@ -28757,7 +29261,7 @@
           </a:ln>
           <a:extLst>
             <a:ext uri="{C572A759-6A51-4108-AA02-DFA0A04FC94B}">
-              <ma14:wrappingTextBoxFlag xmlns="" xmlns:ma14="http://schemas.microsoft.com/office/mac/drawingml/2011/main" val="1"/>
+              <ma14:wrappingTextBoxFlag xmlns:ma14="http://schemas.microsoft.com/office/mac/drawingml/2011/main" xmlns="" val="1"/>
             </a:ext>
           </a:extLst>
         </p:spPr>
